--- a/Documentation/Competition_Documents/项目计划书/2019项目计划书解析.pptx
+++ b/Documentation/Competition_Documents/项目计划书/2019项目计划书解析.pptx
@@ -1,25 +1,25 @@
 
 <file path=ppt/presentation.xml><?xml version="1.0" encoding="utf-8"?>
-<p:presentation xmlns:a="http://schemas.openxmlformats.org/drawingml/2006/main" xmlns:r="http://schemas.openxmlformats.org/officeDocument/2006/relationships" xmlns:p="http://schemas.openxmlformats.org/presentationml/2006/main" saveSubsetFonts="1">
+<p:presentation xmlns:a="http://schemas.openxmlformats.org/drawingml/2006/main" xmlns:r="http://schemas.openxmlformats.org/officeDocument/2006/relationships" xmlns:p="http://schemas.openxmlformats.org/presentationml/2006/main">
   <p:sldMasterIdLst>
-    <p:sldMasterId id="2147483876" r:id="rId1"/>
+    <p:sldMasterId id="2147483648" r:id="rId1"/>
   </p:sldMasterIdLst>
   <p:sldIdLst>
-    <p:sldId id="256" r:id="rId2"/>
-    <p:sldId id="258" r:id="rId3"/>
-    <p:sldId id="259" r:id="rId4"/>
-    <p:sldId id="260" r:id="rId5"/>
-    <p:sldId id="261" r:id="rId6"/>
-    <p:sldId id="257" r:id="rId7"/>
-    <p:sldId id="262" r:id="rId8"/>
-    <p:sldId id="265" r:id="rId9"/>
-    <p:sldId id="266" r:id="rId10"/>
-    <p:sldId id="267" r:id="rId11"/>
-    <p:sldId id="270" r:id="rId12"/>
-    <p:sldId id="271" r:id="rId13"/>
-    <p:sldId id="272" r:id="rId14"/>
-    <p:sldId id="273" r:id="rId15"/>
-    <p:sldId id="274" r:id="rId16"/>
+    <p:sldId id="256" r:id="rId3"/>
+    <p:sldId id="258" r:id="rId4"/>
+    <p:sldId id="259" r:id="rId5"/>
+    <p:sldId id="260" r:id="rId6"/>
+    <p:sldId id="261" r:id="rId7"/>
+    <p:sldId id="257" r:id="rId8"/>
+    <p:sldId id="262" r:id="rId9"/>
+    <p:sldId id="265" r:id="rId10"/>
+    <p:sldId id="266" r:id="rId11"/>
+    <p:sldId id="267" r:id="rId12"/>
+    <p:sldId id="270" r:id="rId13"/>
+    <p:sldId id="271" r:id="rId14"/>
+    <p:sldId id="272" r:id="rId15"/>
+    <p:sldId id="273" r:id="rId16"/>
+    <p:sldId id="274" r:id="rId17"/>
   </p:sldIdLst>
   <p:sldSz cx="9144000" cy="6858000" type="screen4x3"/>
   <p:notesSz cx="6858000" cy="9144000"/>
@@ -122,7 +122,7 @@
 </file>
 
 <file path=ppt/slideLayouts/slideLayout1.xml><?xml version="1.0" encoding="utf-8"?>
-<p:sldLayout xmlns:a="http://schemas.openxmlformats.org/drawingml/2006/main" xmlns:r="http://schemas.openxmlformats.org/officeDocument/2006/relationships" xmlns:p="http://schemas.openxmlformats.org/presentationml/2006/main" showMasterSp="0" type="title" preserve="1">
+<p:sldLayout xmlns:a="http://schemas.openxmlformats.org/drawingml/2006/main" xmlns:r="http://schemas.openxmlformats.org/officeDocument/2006/relationships" xmlns:p="http://schemas.openxmlformats.org/presentationml/2006/main" type="title" preserve="1" showMasterSp="0">
   <p:cSld name="标题幻灯片">
     <p:bg>
       <p:bgRef idx="1003">
@@ -311,7 +311,6 @@
           <a:p>
             <a:fld id="{BD5800B0-0364-4F37-B6E9-77FC0AC62E60}" type="datetimeFigureOut">
               <a:rPr lang="zh-CN" altLang="en-US" smtClean="0"/>
-              <a:t>2019/7/12</a:t>
             </a:fld>
             <a:endParaRPr lang="zh-CN" altLang="en-US"/>
           </a:p>
@@ -353,7 +352,6 @@
           <a:p>
             <a:fld id="{99D4CCAE-82D0-4810-A8DE-670CC460D7D1}" type="slidenum">
               <a:rPr lang="zh-CN" altLang="en-US" smtClean="0"/>
-              <a:t>‹#›</a:t>
             </a:fld>
             <a:endParaRPr lang="zh-CN" altLang="en-US"/>
           </a:p>
@@ -427,6 +425,7 @@
               <a:rPr lang="zh-CN" altLang="en-US" smtClean="0"/>
               <a:t>单击此处编辑母版文本样式</a:t>
             </a:r>
+            <a:endParaRPr lang="zh-CN" altLang="en-US" smtClean="0"/>
           </a:p>
           <a:p>
             <a:pPr lvl="1" eaLnBrk="1" latinLnBrk="0" hangingPunct="1"/>
@@ -434,6 +433,7 @@
               <a:rPr lang="zh-CN" altLang="en-US" smtClean="0"/>
               <a:t>第二级</a:t>
             </a:r>
+            <a:endParaRPr lang="zh-CN" altLang="en-US" smtClean="0"/>
           </a:p>
           <a:p>
             <a:pPr lvl="2" eaLnBrk="1" latinLnBrk="0" hangingPunct="1"/>
@@ -441,6 +441,7 @@
               <a:rPr lang="zh-CN" altLang="en-US" smtClean="0"/>
               <a:t>第三级</a:t>
             </a:r>
+            <a:endParaRPr lang="zh-CN" altLang="en-US" smtClean="0"/>
           </a:p>
           <a:p>
             <a:pPr lvl="3" eaLnBrk="1" latinLnBrk="0" hangingPunct="1"/>
@@ -448,6 +449,7 @@
               <a:rPr lang="zh-CN" altLang="en-US" smtClean="0"/>
               <a:t>第四级</a:t>
             </a:r>
+            <a:endParaRPr lang="zh-CN" altLang="en-US" smtClean="0"/>
           </a:p>
           <a:p>
             <a:pPr lvl="4" eaLnBrk="1" latinLnBrk="0" hangingPunct="1"/>
@@ -476,7 +478,6 @@
           <a:p>
             <a:fld id="{BD5800B0-0364-4F37-B6E9-77FC0AC62E60}" type="datetimeFigureOut">
               <a:rPr lang="zh-CN" altLang="en-US" smtClean="0"/>
-              <a:t>2019/7/12</a:t>
             </a:fld>
             <a:endParaRPr lang="zh-CN" altLang="en-US"/>
           </a:p>
@@ -518,7 +519,6 @@
           <a:p>
             <a:fld id="{99D4CCAE-82D0-4810-A8DE-670CC460D7D1}" type="slidenum">
               <a:rPr lang="zh-CN" altLang="en-US" smtClean="0"/>
-              <a:t>‹#›</a:t>
             </a:fld>
             <a:endParaRPr lang="zh-CN" altLang="en-US"/>
           </a:p>
@@ -602,6 +602,7 @@
               <a:rPr lang="zh-CN" altLang="en-US" smtClean="0"/>
               <a:t>单击此处编辑母版文本样式</a:t>
             </a:r>
+            <a:endParaRPr lang="zh-CN" altLang="en-US" smtClean="0"/>
           </a:p>
           <a:p>
             <a:pPr lvl="1" eaLnBrk="1" latinLnBrk="0" hangingPunct="1"/>
@@ -609,6 +610,7 @@
               <a:rPr lang="zh-CN" altLang="en-US" smtClean="0"/>
               <a:t>第二级</a:t>
             </a:r>
+            <a:endParaRPr lang="zh-CN" altLang="en-US" smtClean="0"/>
           </a:p>
           <a:p>
             <a:pPr lvl="2" eaLnBrk="1" latinLnBrk="0" hangingPunct="1"/>
@@ -616,6 +618,7 @@
               <a:rPr lang="zh-CN" altLang="en-US" smtClean="0"/>
               <a:t>第三级</a:t>
             </a:r>
+            <a:endParaRPr lang="zh-CN" altLang="en-US" smtClean="0"/>
           </a:p>
           <a:p>
             <a:pPr lvl="3" eaLnBrk="1" latinLnBrk="0" hangingPunct="1"/>
@@ -623,6 +626,7 @@
               <a:rPr lang="zh-CN" altLang="en-US" smtClean="0"/>
               <a:t>第四级</a:t>
             </a:r>
+            <a:endParaRPr lang="zh-CN" altLang="en-US" smtClean="0"/>
           </a:p>
           <a:p>
             <a:pPr lvl="4" eaLnBrk="1" latinLnBrk="0" hangingPunct="1"/>
@@ -651,7 +655,6 @@
           <a:p>
             <a:fld id="{BD5800B0-0364-4F37-B6E9-77FC0AC62E60}" type="datetimeFigureOut">
               <a:rPr lang="zh-CN" altLang="en-US" smtClean="0"/>
-              <a:t>2019/7/12</a:t>
             </a:fld>
             <a:endParaRPr lang="zh-CN" altLang="en-US"/>
           </a:p>
@@ -693,7 +696,6 @@
           <a:p>
             <a:fld id="{99D4CCAE-82D0-4810-A8DE-670CC460D7D1}" type="slidenum">
               <a:rPr lang="zh-CN" altLang="en-US" smtClean="0"/>
-              <a:t>‹#›</a:t>
             </a:fld>
             <a:endParaRPr lang="zh-CN" altLang="en-US"/>
           </a:p>
@@ -767,6 +769,7 @@
               <a:rPr lang="zh-CN" altLang="en-US" smtClean="0"/>
               <a:t>单击此处编辑母版文本样式</a:t>
             </a:r>
+            <a:endParaRPr lang="zh-CN" altLang="en-US" smtClean="0"/>
           </a:p>
           <a:p>
             <a:pPr lvl="1" eaLnBrk="1" latinLnBrk="0" hangingPunct="1"/>
@@ -774,6 +777,7 @@
               <a:rPr lang="zh-CN" altLang="en-US" smtClean="0"/>
               <a:t>第二级</a:t>
             </a:r>
+            <a:endParaRPr lang="zh-CN" altLang="en-US" smtClean="0"/>
           </a:p>
           <a:p>
             <a:pPr lvl="2" eaLnBrk="1" latinLnBrk="0" hangingPunct="1"/>
@@ -781,6 +785,7 @@
               <a:rPr lang="zh-CN" altLang="en-US" smtClean="0"/>
               <a:t>第三级</a:t>
             </a:r>
+            <a:endParaRPr lang="zh-CN" altLang="en-US" smtClean="0"/>
           </a:p>
           <a:p>
             <a:pPr lvl="3" eaLnBrk="1" latinLnBrk="0" hangingPunct="1"/>
@@ -788,6 +793,7 @@
               <a:rPr lang="zh-CN" altLang="en-US" smtClean="0"/>
               <a:t>第四级</a:t>
             </a:r>
+            <a:endParaRPr lang="zh-CN" altLang="en-US" smtClean="0"/>
           </a:p>
           <a:p>
             <a:pPr lvl="4" eaLnBrk="1" latinLnBrk="0" hangingPunct="1"/>
@@ -816,7 +822,6 @@
           <a:p>
             <a:fld id="{BD5800B0-0364-4F37-B6E9-77FC0AC62E60}" type="datetimeFigureOut">
               <a:rPr lang="zh-CN" altLang="en-US" smtClean="0"/>
-              <a:t>2019/7/12</a:t>
             </a:fld>
             <a:endParaRPr lang="zh-CN" altLang="en-US"/>
           </a:p>
@@ -858,7 +863,6 @@
           <a:p>
             <a:fld id="{99D4CCAE-82D0-4810-A8DE-670CC460D7D1}" type="slidenum">
               <a:rPr lang="zh-CN" altLang="en-US" smtClean="0"/>
-              <a:t>‹#›</a:t>
             </a:fld>
             <a:endParaRPr lang="zh-CN" altLang="en-US"/>
           </a:p>
@@ -873,7 +877,7 @@
 </file>
 
 <file path=ppt/slideLayouts/slideLayout3.xml><?xml version="1.0" encoding="utf-8"?>
-<p:sldLayout xmlns:a="http://schemas.openxmlformats.org/drawingml/2006/main" xmlns:r="http://schemas.openxmlformats.org/officeDocument/2006/relationships" xmlns:p="http://schemas.openxmlformats.org/presentationml/2006/main" showMasterSp="0" type="secHead" preserve="1">
+<p:sldLayout xmlns:a="http://schemas.openxmlformats.org/drawingml/2006/main" xmlns:r="http://schemas.openxmlformats.org/officeDocument/2006/relationships" xmlns:p="http://schemas.openxmlformats.org/presentationml/2006/main" type="secHead" preserve="1" showMasterSp="0">
   <p:cSld name="节标题">
     <p:bg>
       <p:bgRef idx="1003">
@@ -1042,6 +1046,7 @@
               <a:rPr lang="zh-CN" altLang="en-US" smtClean="0"/>
               <a:t>单击此处编辑母版文本样式</a:t>
             </a:r>
+            <a:endParaRPr lang="zh-CN" altLang="en-US" smtClean="0"/>
           </a:p>
           <a:p>
             <a:pPr lvl="1" eaLnBrk="1" latinLnBrk="0" hangingPunct="1"/>
@@ -1049,6 +1054,7 @@
               <a:rPr lang="zh-CN" altLang="en-US" smtClean="0"/>
               <a:t>第二级</a:t>
             </a:r>
+            <a:endParaRPr lang="zh-CN" altLang="en-US" smtClean="0"/>
           </a:p>
           <a:p>
             <a:pPr lvl="2" eaLnBrk="1" latinLnBrk="0" hangingPunct="1"/>
@@ -1056,6 +1062,7 @@
               <a:rPr lang="zh-CN" altLang="en-US" smtClean="0"/>
               <a:t>第三级</a:t>
             </a:r>
+            <a:endParaRPr lang="zh-CN" altLang="en-US" smtClean="0"/>
           </a:p>
           <a:p>
             <a:pPr lvl="3" eaLnBrk="1" latinLnBrk="0" hangingPunct="1"/>
@@ -1063,6 +1070,7 @@
               <a:rPr lang="zh-CN" altLang="en-US" smtClean="0"/>
               <a:t>第四级</a:t>
             </a:r>
+            <a:endParaRPr lang="zh-CN" altLang="en-US" smtClean="0"/>
           </a:p>
           <a:p>
             <a:pPr lvl="4" eaLnBrk="1" latinLnBrk="0" hangingPunct="1"/>
@@ -1091,7 +1099,6 @@
           <a:p>
             <a:fld id="{BD5800B0-0364-4F37-B6E9-77FC0AC62E60}" type="datetimeFigureOut">
               <a:rPr lang="zh-CN" altLang="en-US" smtClean="0"/>
-              <a:t>2019/7/12</a:t>
             </a:fld>
             <a:endParaRPr lang="zh-CN" altLang="en-US"/>
           </a:p>
@@ -1133,7 +1140,6 @@
           <a:p>
             <a:fld id="{99D4CCAE-82D0-4810-A8DE-670CC460D7D1}" type="slidenum">
               <a:rPr lang="zh-CN" altLang="en-US" smtClean="0"/>
-              <a:t>‹#›</a:t>
             </a:fld>
             <a:endParaRPr lang="zh-CN" altLang="en-US"/>
           </a:p>
@@ -1240,6 +1246,7 @@
               <a:rPr lang="zh-CN" altLang="en-US" smtClean="0"/>
               <a:t>单击此处编辑母版文本样式</a:t>
             </a:r>
+            <a:endParaRPr lang="zh-CN" altLang="en-US" smtClean="0"/>
           </a:p>
           <a:p>
             <a:pPr lvl="1" eaLnBrk="1" latinLnBrk="0" hangingPunct="1"/>
@@ -1247,6 +1254,7 @@
               <a:rPr lang="zh-CN" altLang="en-US" smtClean="0"/>
               <a:t>第二级</a:t>
             </a:r>
+            <a:endParaRPr lang="zh-CN" altLang="en-US" smtClean="0"/>
           </a:p>
           <a:p>
             <a:pPr lvl="2" eaLnBrk="1" latinLnBrk="0" hangingPunct="1"/>
@@ -1254,6 +1262,7 @@
               <a:rPr lang="zh-CN" altLang="en-US" smtClean="0"/>
               <a:t>第三级</a:t>
             </a:r>
+            <a:endParaRPr lang="zh-CN" altLang="en-US" smtClean="0"/>
           </a:p>
           <a:p>
             <a:pPr lvl="3" eaLnBrk="1" latinLnBrk="0" hangingPunct="1"/>
@@ -1261,6 +1270,7 @@
               <a:rPr lang="zh-CN" altLang="en-US" smtClean="0"/>
               <a:t>第四级</a:t>
             </a:r>
+            <a:endParaRPr lang="zh-CN" altLang="en-US" smtClean="0"/>
           </a:p>
           <a:p>
             <a:pPr lvl="4" eaLnBrk="1" latinLnBrk="0" hangingPunct="1"/>
@@ -1325,6 +1335,7 @@
               <a:rPr lang="zh-CN" altLang="en-US" smtClean="0"/>
               <a:t>单击此处编辑母版文本样式</a:t>
             </a:r>
+            <a:endParaRPr lang="zh-CN" altLang="en-US" smtClean="0"/>
           </a:p>
           <a:p>
             <a:pPr lvl="1" eaLnBrk="1" latinLnBrk="0" hangingPunct="1"/>
@@ -1332,6 +1343,7 @@
               <a:rPr lang="zh-CN" altLang="en-US" smtClean="0"/>
               <a:t>第二级</a:t>
             </a:r>
+            <a:endParaRPr lang="zh-CN" altLang="en-US" smtClean="0"/>
           </a:p>
           <a:p>
             <a:pPr lvl="2" eaLnBrk="1" latinLnBrk="0" hangingPunct="1"/>
@@ -1339,6 +1351,7 @@
               <a:rPr lang="zh-CN" altLang="en-US" smtClean="0"/>
               <a:t>第三级</a:t>
             </a:r>
+            <a:endParaRPr lang="zh-CN" altLang="en-US" smtClean="0"/>
           </a:p>
           <a:p>
             <a:pPr lvl="3" eaLnBrk="1" latinLnBrk="0" hangingPunct="1"/>
@@ -1346,6 +1359,7 @@
               <a:rPr lang="zh-CN" altLang="en-US" smtClean="0"/>
               <a:t>第四级</a:t>
             </a:r>
+            <a:endParaRPr lang="zh-CN" altLang="en-US" smtClean="0"/>
           </a:p>
           <a:p>
             <a:pPr lvl="4" eaLnBrk="1" latinLnBrk="0" hangingPunct="1"/>
@@ -1374,7 +1388,6 @@
           <a:p>
             <a:fld id="{BD5800B0-0364-4F37-B6E9-77FC0AC62E60}" type="datetimeFigureOut">
               <a:rPr lang="zh-CN" altLang="en-US" smtClean="0"/>
-              <a:t>2019/7/12</a:t>
             </a:fld>
             <a:endParaRPr lang="zh-CN" altLang="en-US"/>
           </a:p>
@@ -1416,7 +1429,6 @@
           <a:p>
             <a:fld id="{99D4CCAE-82D0-4810-A8DE-670CC460D7D1}" type="slidenum">
               <a:rPr lang="zh-CN" altLang="en-US" smtClean="0"/>
-              <a:t>‹#›</a:t>
             </a:fld>
             <a:endParaRPr lang="zh-CN" altLang="en-US"/>
           </a:p>
@@ -1536,6 +1548,7 @@
               <a:rPr kumimoji="0" lang="zh-CN" altLang="en-US" smtClean="0"/>
               <a:t>单击此处编辑母版文本样式</a:t>
             </a:r>
+            <a:endParaRPr kumimoji="0" lang="zh-CN" altLang="en-US" smtClean="0"/>
           </a:p>
         </p:txBody>
       </p:sp>
@@ -1592,6 +1605,7 @@
               <a:rPr lang="zh-CN" altLang="en-US" smtClean="0"/>
               <a:t>单击此处编辑母版文本样式</a:t>
             </a:r>
+            <a:endParaRPr lang="zh-CN" altLang="en-US" smtClean="0"/>
           </a:p>
           <a:p>
             <a:pPr lvl="1" eaLnBrk="1" latinLnBrk="0" hangingPunct="1"/>
@@ -1599,6 +1613,7 @@
               <a:rPr lang="zh-CN" altLang="en-US" smtClean="0"/>
               <a:t>第二级</a:t>
             </a:r>
+            <a:endParaRPr lang="zh-CN" altLang="en-US" smtClean="0"/>
           </a:p>
           <a:p>
             <a:pPr lvl="2" eaLnBrk="1" latinLnBrk="0" hangingPunct="1"/>
@@ -1606,6 +1621,7 @@
               <a:rPr lang="zh-CN" altLang="en-US" smtClean="0"/>
               <a:t>第三级</a:t>
             </a:r>
+            <a:endParaRPr lang="zh-CN" altLang="en-US" smtClean="0"/>
           </a:p>
           <a:p>
             <a:pPr lvl="3" eaLnBrk="1" latinLnBrk="0" hangingPunct="1"/>
@@ -1613,6 +1629,7 @@
               <a:rPr lang="zh-CN" altLang="en-US" smtClean="0"/>
               <a:t>第四级</a:t>
             </a:r>
+            <a:endParaRPr lang="zh-CN" altLang="en-US" smtClean="0"/>
           </a:p>
           <a:p>
             <a:pPr lvl="4" eaLnBrk="1" latinLnBrk="0" hangingPunct="1"/>
@@ -1686,6 +1703,7 @@
               <a:rPr kumimoji="0" lang="zh-CN" altLang="en-US" smtClean="0"/>
               <a:t>单击此处编辑母版文本样式</a:t>
             </a:r>
+            <a:endParaRPr kumimoji="0" lang="zh-CN" altLang="en-US" smtClean="0"/>
           </a:p>
         </p:txBody>
       </p:sp>
@@ -1742,6 +1760,7 @@
               <a:rPr lang="zh-CN" altLang="en-US" smtClean="0"/>
               <a:t>单击此处编辑母版文本样式</a:t>
             </a:r>
+            <a:endParaRPr lang="zh-CN" altLang="en-US" smtClean="0"/>
           </a:p>
           <a:p>
             <a:pPr lvl="1" eaLnBrk="1" latinLnBrk="0" hangingPunct="1"/>
@@ -1749,6 +1768,7 @@
               <a:rPr lang="zh-CN" altLang="en-US" smtClean="0"/>
               <a:t>第二级</a:t>
             </a:r>
+            <a:endParaRPr lang="zh-CN" altLang="en-US" smtClean="0"/>
           </a:p>
           <a:p>
             <a:pPr lvl="2" eaLnBrk="1" latinLnBrk="0" hangingPunct="1"/>
@@ -1756,6 +1776,7 @@
               <a:rPr lang="zh-CN" altLang="en-US" smtClean="0"/>
               <a:t>第三级</a:t>
             </a:r>
+            <a:endParaRPr lang="zh-CN" altLang="en-US" smtClean="0"/>
           </a:p>
           <a:p>
             <a:pPr lvl="3" eaLnBrk="1" latinLnBrk="0" hangingPunct="1"/>
@@ -1763,6 +1784,7 @@
               <a:rPr lang="zh-CN" altLang="en-US" smtClean="0"/>
               <a:t>第四级</a:t>
             </a:r>
+            <a:endParaRPr lang="zh-CN" altLang="en-US" smtClean="0"/>
           </a:p>
           <a:p>
             <a:pPr lvl="4" eaLnBrk="1" latinLnBrk="0" hangingPunct="1"/>
@@ -1791,7 +1813,6 @@
           <a:p>
             <a:fld id="{BD5800B0-0364-4F37-B6E9-77FC0AC62E60}" type="datetimeFigureOut">
               <a:rPr lang="zh-CN" altLang="en-US" smtClean="0"/>
-              <a:t>2019/7/12</a:t>
             </a:fld>
             <a:endParaRPr lang="zh-CN" altLang="en-US"/>
           </a:p>
@@ -1833,7 +1854,6 @@
           <a:p>
             <a:fld id="{99D4CCAE-82D0-4810-A8DE-670CC460D7D1}" type="slidenum">
               <a:rPr lang="zh-CN" altLang="en-US" smtClean="0"/>
-              <a:t>‹#›</a:t>
             </a:fld>
             <a:endParaRPr lang="zh-CN" altLang="en-US"/>
           </a:p>
@@ -1904,7 +1924,6 @@
           <a:p>
             <a:fld id="{BD5800B0-0364-4F37-B6E9-77FC0AC62E60}" type="datetimeFigureOut">
               <a:rPr lang="zh-CN" altLang="en-US" smtClean="0"/>
-              <a:t>2019/7/12</a:t>
             </a:fld>
             <a:endParaRPr lang="zh-CN" altLang="en-US"/>
           </a:p>
@@ -1946,7 +1965,6 @@
           <a:p>
             <a:fld id="{99D4CCAE-82D0-4810-A8DE-670CC460D7D1}" type="slidenum">
               <a:rPr lang="zh-CN" altLang="en-US" smtClean="0"/>
-              <a:t>‹#›</a:t>
             </a:fld>
             <a:endParaRPr lang="zh-CN" altLang="en-US"/>
           </a:p>
@@ -1994,7 +2012,6 @@
           <a:p>
             <a:fld id="{BD5800B0-0364-4F37-B6E9-77FC0AC62E60}" type="datetimeFigureOut">
               <a:rPr lang="zh-CN" altLang="en-US" smtClean="0"/>
-              <a:t>2019/7/12</a:t>
             </a:fld>
             <a:endParaRPr lang="zh-CN" altLang="en-US"/>
           </a:p>
@@ -2036,7 +2053,6 @@
           <a:p>
             <a:fld id="{99D4CCAE-82D0-4810-A8DE-670CC460D7D1}" type="slidenum">
               <a:rPr lang="zh-CN" altLang="en-US" smtClean="0"/>
-              <a:t>‹#›</a:t>
             </a:fld>
             <a:endParaRPr lang="zh-CN" altLang="en-US"/>
           </a:p>
@@ -2120,6 +2136,7 @@
               <a:rPr lang="zh-CN" altLang="en-US" smtClean="0"/>
               <a:t>单击此处编辑母版文本样式</a:t>
             </a:r>
+            <a:endParaRPr lang="zh-CN" altLang="en-US" smtClean="0"/>
           </a:p>
           <a:p>
             <a:pPr lvl="1" eaLnBrk="1" latinLnBrk="0" hangingPunct="1"/>
@@ -2127,6 +2144,7 @@
               <a:rPr lang="zh-CN" altLang="en-US" smtClean="0"/>
               <a:t>第二级</a:t>
             </a:r>
+            <a:endParaRPr lang="zh-CN" altLang="en-US" smtClean="0"/>
           </a:p>
           <a:p>
             <a:pPr lvl="2" eaLnBrk="1" latinLnBrk="0" hangingPunct="1"/>
@@ -2134,6 +2152,7 @@
               <a:rPr lang="zh-CN" altLang="en-US" smtClean="0"/>
               <a:t>第三级</a:t>
             </a:r>
+            <a:endParaRPr lang="zh-CN" altLang="en-US" smtClean="0"/>
           </a:p>
           <a:p>
             <a:pPr lvl="3" eaLnBrk="1" latinLnBrk="0" hangingPunct="1"/>
@@ -2141,6 +2160,7 @@
               <a:rPr lang="zh-CN" altLang="en-US" smtClean="0"/>
               <a:t>第四级</a:t>
             </a:r>
+            <a:endParaRPr lang="zh-CN" altLang="en-US" smtClean="0"/>
           </a:p>
           <a:p>
             <a:pPr lvl="4" eaLnBrk="1" latinLnBrk="0" hangingPunct="1"/>
@@ -2214,6 +2234,7 @@
               <a:rPr lang="zh-CN" altLang="en-US" smtClean="0"/>
               <a:t>单击此处编辑母版文本样式</a:t>
             </a:r>
+            <a:endParaRPr lang="zh-CN" altLang="en-US" smtClean="0"/>
           </a:p>
           <a:p>
             <a:pPr lvl="1" eaLnBrk="1" latinLnBrk="0" hangingPunct="1"/>
@@ -2221,6 +2242,7 @@
               <a:rPr lang="zh-CN" altLang="en-US" smtClean="0"/>
               <a:t>第二级</a:t>
             </a:r>
+            <a:endParaRPr lang="zh-CN" altLang="en-US" smtClean="0"/>
           </a:p>
           <a:p>
             <a:pPr lvl="2" eaLnBrk="1" latinLnBrk="0" hangingPunct="1"/>
@@ -2228,6 +2250,7 @@
               <a:rPr lang="zh-CN" altLang="en-US" smtClean="0"/>
               <a:t>第三级</a:t>
             </a:r>
+            <a:endParaRPr lang="zh-CN" altLang="en-US" smtClean="0"/>
           </a:p>
           <a:p>
             <a:pPr lvl="3" eaLnBrk="1" latinLnBrk="0" hangingPunct="1"/>
@@ -2235,6 +2258,7 @@
               <a:rPr lang="zh-CN" altLang="en-US" smtClean="0"/>
               <a:t>第四级</a:t>
             </a:r>
+            <a:endParaRPr lang="zh-CN" altLang="en-US" smtClean="0"/>
           </a:p>
           <a:p>
             <a:pPr lvl="4" eaLnBrk="1" latinLnBrk="0" hangingPunct="1"/>
@@ -2263,7 +2287,6 @@
           <a:p>
             <a:fld id="{BD5800B0-0364-4F37-B6E9-77FC0AC62E60}" type="datetimeFigureOut">
               <a:rPr lang="zh-CN" altLang="en-US" smtClean="0"/>
-              <a:t>2019/7/12</a:t>
             </a:fld>
             <a:endParaRPr lang="zh-CN" altLang="en-US"/>
           </a:p>
@@ -2305,7 +2328,6 @@
           <a:p>
             <a:fld id="{99D4CCAE-82D0-4810-A8DE-670CC460D7D1}" type="slidenum">
               <a:rPr lang="zh-CN" altLang="en-US" smtClean="0"/>
-              <a:t>‹#›</a:t>
             </a:fld>
             <a:endParaRPr lang="zh-CN" altLang="en-US"/>
           </a:p>
@@ -2562,6 +2584,7 @@
               <a:rPr lang="zh-CN" altLang="en-US" smtClean="0"/>
               <a:t>单击此处编辑母版文本样式</a:t>
             </a:r>
+            <a:endParaRPr lang="zh-CN" altLang="en-US" smtClean="0"/>
           </a:p>
           <a:p>
             <a:pPr lvl="1" eaLnBrk="1" latinLnBrk="0" hangingPunct="1"/>
@@ -2569,6 +2592,7 @@
               <a:rPr lang="zh-CN" altLang="en-US" smtClean="0"/>
               <a:t>第二级</a:t>
             </a:r>
+            <a:endParaRPr lang="zh-CN" altLang="en-US" smtClean="0"/>
           </a:p>
           <a:p>
             <a:pPr lvl="2" eaLnBrk="1" latinLnBrk="0" hangingPunct="1"/>
@@ -2576,6 +2600,7 @@
               <a:rPr lang="zh-CN" altLang="en-US" smtClean="0"/>
               <a:t>第三级</a:t>
             </a:r>
+            <a:endParaRPr lang="zh-CN" altLang="en-US" smtClean="0"/>
           </a:p>
           <a:p>
             <a:pPr lvl="3" eaLnBrk="1" latinLnBrk="0" hangingPunct="1"/>
@@ -2583,6 +2608,7 @@
               <a:rPr lang="zh-CN" altLang="en-US" smtClean="0"/>
               <a:t>第四级</a:t>
             </a:r>
+            <a:endParaRPr lang="zh-CN" altLang="en-US" smtClean="0"/>
           </a:p>
           <a:p>
             <a:pPr lvl="4" eaLnBrk="1" latinLnBrk="0" hangingPunct="1"/>
@@ -2611,7 +2637,6 @@
           <a:p>
             <a:fld id="{BD5800B0-0364-4F37-B6E9-77FC0AC62E60}" type="datetimeFigureOut">
               <a:rPr lang="zh-CN" altLang="en-US" smtClean="0"/>
-              <a:t>2019/7/12</a:t>
             </a:fld>
             <a:endParaRPr lang="zh-CN" altLang="en-US"/>
           </a:p>
@@ -2653,7 +2678,6 @@
           <a:p>
             <a:fld id="{99D4CCAE-82D0-4810-A8DE-670CC460D7D1}" type="slidenum">
               <a:rPr lang="zh-CN" altLang="en-US" smtClean="0"/>
-              <a:t>‹#›</a:t>
             </a:fld>
             <a:endParaRPr lang="zh-CN" altLang="en-US"/>
           </a:p>
@@ -2698,7 +2722,7 @@
           <p:nvPr/>
         </p:nvPicPr>
         <p:blipFill>
-          <a:blip r:embed="rId13">
+          <a:blip r:embed="rId12">
             <a:duotone>
               <a:schemeClr val="accent1"/>
               <a:srgbClr val="FFFFFF"/>
@@ -2892,7 +2916,7 @@
           <p:nvPr/>
         </p:nvPicPr>
         <p:blipFill>
-          <a:blip r:embed="rId14">
+          <a:blip r:embed="rId13">
             <a:duotone>
               <a:schemeClr val="accent1"/>
               <a:srgbClr val="FFFFFF"/>
@@ -2981,6 +3005,7 @@
               <a:rPr kumimoji="0" lang="zh-CN" altLang="en-US" smtClean="0"/>
               <a:t>单击此处编辑母版文本样式</a:t>
             </a:r>
+            <a:endParaRPr kumimoji="0" lang="zh-CN" altLang="en-US" smtClean="0"/>
           </a:p>
           <a:p>
             <a:pPr lvl="1" eaLnBrk="1" latinLnBrk="0" hangingPunct="1"/>
@@ -2988,6 +3013,7 @@
               <a:rPr kumimoji="0" lang="zh-CN" altLang="en-US" smtClean="0"/>
               <a:t>第二级</a:t>
             </a:r>
+            <a:endParaRPr kumimoji="0" lang="zh-CN" altLang="en-US" smtClean="0"/>
           </a:p>
           <a:p>
             <a:pPr lvl="2" eaLnBrk="1" latinLnBrk="0" hangingPunct="1"/>
@@ -2995,6 +3021,7 @@
               <a:rPr kumimoji="0" lang="zh-CN" altLang="en-US" smtClean="0"/>
               <a:t>第三级</a:t>
             </a:r>
+            <a:endParaRPr kumimoji="0" lang="zh-CN" altLang="en-US" smtClean="0"/>
           </a:p>
           <a:p>
             <a:pPr lvl="3" eaLnBrk="1" latinLnBrk="0" hangingPunct="1"/>
@@ -3002,6 +3029,7 @@
               <a:rPr kumimoji="0" lang="zh-CN" altLang="en-US" smtClean="0"/>
               <a:t>第四级</a:t>
             </a:r>
+            <a:endParaRPr kumimoji="0" lang="zh-CN" altLang="en-US" smtClean="0"/>
           </a:p>
           <a:p>
             <a:pPr lvl="4" eaLnBrk="1" latinLnBrk="0" hangingPunct="1"/>
@@ -3048,7 +3076,6 @@
           <a:p>
             <a:fld id="{BD5800B0-0364-4F37-B6E9-77FC0AC62E60}" type="datetimeFigureOut">
               <a:rPr lang="zh-CN" altLang="en-US" smtClean="0"/>
-              <a:t>2019/7/12</a:t>
             </a:fld>
             <a:endParaRPr lang="zh-CN" altLang="en-US"/>
           </a:p>
@@ -3126,7 +3153,6 @@
           <a:p>
             <a:fld id="{99D4CCAE-82D0-4810-A8DE-670CC460D7D1}" type="slidenum">
               <a:rPr lang="zh-CN" altLang="en-US" smtClean="0"/>
-              <a:t>‹#›</a:t>
             </a:fld>
             <a:endParaRPr lang="zh-CN" altLang="en-US"/>
           </a:p>
@@ -3136,17 +3162,17 @@
   </p:cSld>
   <p:clrMap bg1="lt1" tx1="dk1" bg2="lt2" tx2="dk2" accent1="accent1" accent2="accent2" accent3="accent3" accent4="accent4" accent5="accent5" accent6="accent6" hlink="hlink" folHlink="folHlink"/>
   <p:sldLayoutIdLst>
-    <p:sldLayoutId id="2147483877" r:id="rId1"/>
-    <p:sldLayoutId id="2147483878" r:id="rId2"/>
-    <p:sldLayoutId id="2147483879" r:id="rId3"/>
-    <p:sldLayoutId id="2147483880" r:id="rId4"/>
-    <p:sldLayoutId id="2147483881" r:id="rId5"/>
-    <p:sldLayoutId id="2147483882" r:id="rId6"/>
-    <p:sldLayoutId id="2147483883" r:id="rId7"/>
-    <p:sldLayoutId id="2147483884" r:id="rId8"/>
-    <p:sldLayoutId id="2147483885" r:id="rId9"/>
-    <p:sldLayoutId id="2147483886" r:id="rId10"/>
-    <p:sldLayoutId id="2147483887" r:id="rId11"/>
+    <p:sldLayoutId id="2147483649" r:id="rId1"/>
+    <p:sldLayoutId id="2147483650" r:id="rId2"/>
+    <p:sldLayoutId id="2147483651" r:id="rId3"/>
+    <p:sldLayoutId id="2147483652" r:id="rId4"/>
+    <p:sldLayoutId id="2147483653" r:id="rId5"/>
+    <p:sldLayoutId id="2147483654" r:id="rId6"/>
+    <p:sldLayoutId id="2147483655" r:id="rId7"/>
+    <p:sldLayoutId id="2147483656" r:id="rId8"/>
+    <p:sldLayoutId id="2147483657" r:id="rId9"/>
+    <p:sldLayoutId id="2147483658" r:id="rId10"/>
+    <p:sldLayoutId id="2147483659" r:id="rId11"/>
   </p:sldLayoutIdLst>
   <p:txStyles>
     <p:titleStyle>
@@ -3512,24 +3538,12 @@
           </a:bodyPr>
           <a:lstStyle/>
           <a:p>
-            <a:r>
-              <a:rPr lang="en-US" altLang="zh-CN" b="1" dirty="0" smtClean="0"/>
-              <a:t/>
-            </a:r>
             <a:br>
               <a:rPr lang="en-US" altLang="zh-CN" b="1" dirty="0" smtClean="0"/>
             </a:br>
-            <a:r>
-              <a:rPr lang="en-US" altLang="zh-CN" b="1" dirty="0"/>
-              <a:t/>
-            </a:r>
             <a:br>
               <a:rPr lang="en-US" altLang="zh-CN" b="1" dirty="0"/>
             </a:br>
-            <a:r>
-              <a:rPr lang="en-US" altLang="zh-CN" b="1" dirty="0" smtClean="0"/>
-              <a:t/>
-            </a:r>
             <a:br>
               <a:rPr lang="en-US" altLang="zh-CN" b="1" dirty="0" smtClean="0"/>
             </a:br>
@@ -3541,17 +3555,9 @@
               <a:rPr lang="zh-CN" altLang="en-US" b="1" dirty="0"/>
               <a:t>业 项 目 计 划 书 样 本</a:t>
             </a:r>
-            <a:r>
-              <a:rPr lang="zh-CN" altLang="en-US" dirty="0"/>
-              <a:t/>
-            </a:r>
             <a:br>
               <a:rPr lang="zh-CN" altLang="en-US" dirty="0"/>
             </a:br>
-            <a:r>
-              <a:rPr lang="zh-CN" altLang="en-US" dirty="0"/>
-              <a:t/>
-            </a:r>
             <a:br>
               <a:rPr lang="zh-CN" altLang="en-US" dirty="0"/>
             </a:br>
@@ -5619,16 +5625,11 @@
           <a:ln w="9525">
             <a:noFill/>
             <a:miter lim="800000"/>
-            <a:headEnd/>
-            <a:tailEnd/>
           </a:ln>
           <a:effectLst/>
         </p:spPr>
         <p:txBody>
           <a:bodyPr vert="horz" wrap="none" lIns="91440" tIns="45720" rIns="91440" bIns="45720" numCol="1" anchor="ctr" anchorCtr="0" compatLnSpc="1">
-            <a:prstTxWarp prst="textNoShape">
-              <a:avLst/>
-            </a:prstTxWarp>
             <a:spAutoFit/>
           </a:bodyPr>
           <a:lstStyle/>
@@ -5647,7 +5648,6 @@
               <a:buSzTx/>
               <a:buFontTx/>
               <a:buNone/>
-              <a:tabLst/>
             </a:pPr>
             <a:r>
               <a:rPr kumimoji="0" lang="en-US" altLang="zh-CN" sz="1400" b="1" i="0" u="none" strike="noStrike" cap="none" normalizeH="0" baseline="0" dirty="0" smtClean="0">
@@ -5687,7 +5687,7 @@
                 <a:schemeClr val="tx1"/>
               </a:solidFill>
               <a:effectLst/>
-              <a:latin typeface="Arial" pitchFamily="34" charset="0"/>
+              <a:latin typeface="Arial" panose="02080604020202020204" pitchFamily="34" charset="0"/>
               <a:ea typeface="宋体" pitchFamily="2" charset="-122"/>
               <a:cs typeface="宋体" pitchFamily="2" charset="-122"/>
             </a:endParaRPr>
@@ -5806,6 +5806,7 @@
               <a:rPr lang="zh-CN" altLang="en-US" dirty="0"/>
               <a:t>依照本创业计划的分析，对公司上市的可能性做出分析，对上市的前提条件做出说明</a:t>
             </a:r>
+            <a:endParaRPr lang="zh-CN" altLang="en-US" dirty="0"/>
           </a:p>
           <a:p>
             <a:r>
@@ -5820,6 +5821,7 @@
               <a:rPr lang="zh-CN" altLang="en-US" dirty="0"/>
               <a:t>投资商可以通过股权转让的方式收回投资</a:t>
             </a:r>
+            <a:endParaRPr lang="zh-CN" altLang="en-US" dirty="0"/>
           </a:p>
           <a:p>
             <a:r>
@@ -5834,6 +5836,7 @@
               <a:rPr lang="zh-CN" altLang="en-US" dirty="0"/>
               <a:t>依照本创业计划的分析，公司对实施股权回购计划应向投资者说明</a:t>
             </a:r>
+            <a:endParaRPr lang="zh-CN" altLang="en-US" dirty="0"/>
           </a:p>
           <a:p>
             <a:r>
@@ -5848,6 +5851,7 @@
               <a:rPr lang="zh-CN" altLang="en-US" dirty="0"/>
               <a:t>投资商可以通过公司利润分红达到收回投资的目的，按照本创业计划的分析，公司对实施股权利润分红计划应向投资者说明</a:t>
             </a:r>
+            <a:endParaRPr lang="zh-CN" altLang="en-US" dirty="0"/>
           </a:p>
           <a:p>
             <a:endParaRPr lang="zh-CN" altLang="en-US" dirty="0"/>
@@ -5934,6 +5938,7 @@
               <a:rPr lang="zh-CN" altLang="en-US" dirty="0"/>
               <a:t>详细说明项目实施过程中可能遇到的风险，提出有效的风险控制和防范手段，包括技术风险、市场风险、管理风险、财务风险及其他不可预见的风险</a:t>
             </a:r>
+            <a:endParaRPr lang="zh-CN" altLang="en-US" dirty="0"/>
           </a:p>
           <a:p>
             <a:endParaRPr lang="zh-CN" altLang="en-US" dirty="0"/>
@@ -6225,6 +6230,7 @@
               <a:rPr lang="zh-CN" altLang="en-US" dirty="0"/>
               <a:t>要提炼要点，引人入胜。）</a:t>
             </a:r>
+            <a:endParaRPr lang="zh-CN" altLang="en-US" dirty="0"/>
           </a:p>
           <a:p>
             <a:pPr marL="514350" indent="-514350">
@@ -6466,6 +6472,7 @@
               <a:rPr lang="zh-CN" altLang="en-US" dirty="0"/>
               <a:t>、该行业发展程度如何？</a:t>
             </a:r>
+            <a:endParaRPr lang="zh-CN" altLang="en-US" dirty="0"/>
           </a:p>
           <a:p>
             <a:r>
@@ -6476,6 +6483,7 @@
               <a:rPr lang="zh-CN" altLang="en-US" dirty="0"/>
               <a:t>、该行业发展状况如何？</a:t>
             </a:r>
+            <a:endParaRPr lang="zh-CN" altLang="en-US" dirty="0"/>
           </a:p>
           <a:p>
             <a:r>
@@ -6486,6 +6494,7 @@
               <a:rPr lang="zh-CN" altLang="en-US" dirty="0"/>
               <a:t>、该行业的市场容量多大？扩张趋势如何？</a:t>
             </a:r>
+            <a:endParaRPr lang="zh-CN" altLang="en-US" dirty="0"/>
           </a:p>
           <a:p>
             <a:r>
@@ -6496,6 +6505,7 @@
               <a:rPr lang="zh-CN" altLang="en-US" dirty="0"/>
               <a:t>、该行业有哪些主要企业？竞争态势如何？</a:t>
             </a:r>
+            <a:endParaRPr lang="zh-CN" altLang="en-US" dirty="0"/>
           </a:p>
           <a:p>
             <a:r>
@@ -6506,6 +6516,7 @@
               <a:rPr lang="zh-CN" altLang="en-US" dirty="0"/>
               <a:t>、政策因素对该行业的影响程度如何？</a:t>
             </a:r>
+            <a:endParaRPr lang="zh-CN" altLang="en-US" dirty="0"/>
           </a:p>
           <a:p>
             <a:r>
@@ -6516,6 +6527,7 @@
               <a:rPr lang="zh-CN" altLang="en-US" dirty="0"/>
               <a:t>、其他影响该行业发展的核心因素？</a:t>
             </a:r>
+            <a:endParaRPr lang="zh-CN" altLang="en-US" dirty="0"/>
           </a:p>
           <a:p>
             <a:endParaRPr lang="zh-CN" altLang="en-US" dirty="0"/>
@@ -6625,6 +6637,7 @@
               <a:rPr lang="zh-CN" altLang="en-US" dirty="0"/>
               <a:t>、产品技术概况介绍</a:t>
             </a:r>
+            <a:endParaRPr lang="zh-CN" altLang="en-US" dirty="0"/>
           </a:p>
           <a:p>
             <a:r>
@@ -6635,6 +6648,7 @@
               <a:rPr lang="zh-CN" altLang="en-US" dirty="0"/>
               <a:t>、产品技术实现原理</a:t>
             </a:r>
+            <a:endParaRPr lang="zh-CN" altLang="en-US" dirty="0"/>
           </a:p>
           <a:p>
             <a:r>
@@ -6645,6 +6659,7 @@
               <a:rPr lang="zh-CN" altLang="en-US" dirty="0"/>
               <a:t>、产品技术优势分析：国外研究情况，国内研究情况</a:t>
             </a:r>
+            <a:endParaRPr lang="zh-CN" altLang="en-US" dirty="0"/>
           </a:p>
           <a:p>
             <a:r>
@@ -6655,6 +6670,7 @@
               <a:rPr lang="zh-CN" altLang="en-US" dirty="0"/>
               <a:t>、产品技术研发方向</a:t>
             </a:r>
+            <a:endParaRPr lang="zh-CN" altLang="en-US" dirty="0"/>
           </a:p>
           <a:p>
             <a:r>
@@ -6680,6 +6696,7 @@
               <a:rPr lang="zh-CN" altLang="en-US" dirty="0"/>
               <a:t>、新产品的生产经营计划：生产产品的原料如何采购、供应商的有关情况，劳动力和雇员的情况，生产资金的安排以及厂房、土地等。</a:t>
             </a:r>
+            <a:endParaRPr lang="zh-CN" altLang="en-US" dirty="0"/>
           </a:p>
           <a:p>
             <a:r>
@@ -6690,6 +6707,7 @@
               <a:rPr lang="zh-CN" altLang="en-US" dirty="0"/>
               <a:t>、公司的生产技术能力</a:t>
             </a:r>
+            <a:endParaRPr lang="zh-CN" altLang="en-US" dirty="0"/>
           </a:p>
           <a:p>
             <a:r>
@@ -6700,6 +6718,7 @@
               <a:rPr lang="zh-CN" altLang="en-US" dirty="0"/>
               <a:t>、品质控制和质量改进能力</a:t>
             </a:r>
+            <a:endParaRPr lang="zh-CN" altLang="en-US" dirty="0"/>
           </a:p>
           <a:p>
             <a:r>
@@ -6710,6 +6729,7 @@
               <a:rPr lang="zh-CN" altLang="en-US" dirty="0"/>
               <a:t>、将要购置的生产设备</a:t>
             </a:r>
+            <a:endParaRPr lang="zh-CN" altLang="en-US" dirty="0"/>
           </a:p>
           <a:p>
             <a:r>
@@ -6720,6 +6740,7 @@
               <a:rPr lang="zh-CN" altLang="en-US" dirty="0"/>
               <a:t>、生产工艺流程</a:t>
             </a:r>
+            <a:endParaRPr lang="zh-CN" altLang="en-US" dirty="0"/>
           </a:p>
           <a:p>
             <a:r>
@@ -6741,6 +6762,7 @@
               <a:rPr lang="zh-CN" altLang="en-US" dirty="0"/>
               <a:t>、产品的名称、特征及性能用途：产品或服务及对客户的价值 </a:t>
             </a:r>
+            <a:endParaRPr lang="zh-CN" altLang="en-US" dirty="0"/>
           </a:p>
           <a:p>
             <a:r>
@@ -6751,6 +6773,7 @@
               <a:rPr lang="zh-CN" altLang="en-US" dirty="0"/>
               <a:t>、同样的产品是否还没有在市场上出现？为什么？ </a:t>
             </a:r>
+            <a:endParaRPr lang="zh-CN" altLang="en-US" dirty="0"/>
           </a:p>
           <a:p>
             <a:r>
@@ -6761,6 +6784,7 @@
               <a:rPr lang="zh-CN" altLang="en-US" dirty="0"/>
               <a:t>、产品的市场前景和竞争力如何</a:t>
             </a:r>
+            <a:endParaRPr lang="zh-CN" altLang="en-US" dirty="0"/>
           </a:p>
           <a:p>
             <a:r>
@@ -6771,6 +6795,7 @@
               <a:rPr lang="zh-CN" altLang="en-US" dirty="0"/>
               <a:t>、产品的技术改进和更新换代计划及成本</a:t>
             </a:r>
+            <a:endParaRPr lang="zh-CN" altLang="en-US" dirty="0"/>
           </a:p>
           <a:p>
             <a:endParaRPr lang="zh-CN" altLang="en-US" dirty="0"/>
@@ -6891,6 +6916,7 @@
               <a:rPr lang="zh-CN" altLang="en-US" dirty="0"/>
               <a:t>、你的细分市场是什么？</a:t>
             </a:r>
+            <a:endParaRPr lang="zh-CN" altLang="en-US" dirty="0"/>
           </a:p>
           <a:p>
             <a:r>
@@ -6901,6 +6927,7 @@
               <a:rPr lang="zh-CN" altLang="en-US" dirty="0"/>
               <a:t>、你的目标顾客群是什么？</a:t>
             </a:r>
+            <a:endParaRPr lang="zh-CN" altLang="en-US" dirty="0"/>
           </a:p>
           <a:p>
             <a:r>
@@ -6911,6 +6938,7 @@
               <a:rPr lang="zh-CN" altLang="en-US" dirty="0"/>
               <a:t>、你的目标市场份额为多大？</a:t>
             </a:r>
+            <a:endParaRPr lang="zh-CN" altLang="en-US" dirty="0"/>
           </a:p>
           <a:p>
             <a:r>
@@ -6932,6 +6960,7 @@
               <a:rPr lang="zh-CN" altLang="en-US" dirty="0"/>
               <a:t>、你的主要竞争对手？</a:t>
             </a:r>
+            <a:endParaRPr lang="zh-CN" altLang="en-US" dirty="0"/>
           </a:p>
           <a:p>
             <a:r>
@@ -6942,6 +6971,7 @@
               <a:rPr lang="zh-CN" altLang="en-US" dirty="0"/>
               <a:t>、你的竞争对手所占的市场份额和市场策略？</a:t>
             </a:r>
+            <a:endParaRPr lang="zh-CN" altLang="en-US" dirty="0"/>
           </a:p>
           <a:p>
             <a:r>
@@ -6952,6 +6982,7 @@
               <a:rPr lang="zh-CN" altLang="en-US" dirty="0"/>
               <a:t>、你的竞争策略是什么？</a:t>
             </a:r>
+            <a:endParaRPr lang="zh-CN" altLang="en-US" dirty="0"/>
           </a:p>
           <a:p>
             <a:r>
@@ -6962,6 +6993,7 @@
               <a:rPr lang="zh-CN" altLang="en-US" dirty="0"/>
               <a:t>、在竞争中你的市场和地理位置的优势所在？</a:t>
             </a:r>
+            <a:endParaRPr lang="zh-CN" altLang="en-US" dirty="0"/>
           </a:p>
           <a:p>
             <a:r>
@@ -6972,6 +7004,7 @@
               <a:rPr lang="zh-CN" altLang="en-US" dirty="0"/>
               <a:t>、产品的价格、性能、质量在市场竞争中所具备的优势？</a:t>
             </a:r>
+            <a:endParaRPr lang="zh-CN" altLang="en-US" dirty="0"/>
           </a:p>
           <a:p>
             <a:r>
@@ -6993,6 +7026,7 @@
               <a:rPr lang="zh-CN" altLang="en-US" dirty="0"/>
               <a:t>、营销渠道的选择和营销网络的建设</a:t>
             </a:r>
+            <a:endParaRPr lang="zh-CN" altLang="en-US" dirty="0"/>
           </a:p>
           <a:p>
             <a:r>
@@ -7003,6 +7037,7 @@
               <a:rPr lang="zh-CN" altLang="en-US" dirty="0"/>
               <a:t>、广告策略和促销策略</a:t>
             </a:r>
+            <a:endParaRPr lang="zh-CN" altLang="en-US" dirty="0"/>
           </a:p>
           <a:p>
             <a:r>
@@ -7013,6 +7048,7 @@
               <a:rPr lang="zh-CN" altLang="en-US" dirty="0"/>
               <a:t>、价格策略</a:t>
             </a:r>
+            <a:endParaRPr lang="zh-CN" altLang="en-US" dirty="0"/>
           </a:p>
           <a:p>
             <a:r>
@@ -7023,6 +7059,7 @@
               <a:rPr lang="zh-CN" altLang="en-US" dirty="0"/>
               <a:t>、市场渗透与开拓计划</a:t>
             </a:r>
+            <a:endParaRPr lang="zh-CN" altLang="en-US" dirty="0"/>
           </a:p>
           <a:p>
             <a:r>
@@ -7033,6 +7070,7 @@
               <a:rPr lang="zh-CN" altLang="en-US" dirty="0"/>
               <a:t>、市场营销中意外情况的应急对策</a:t>
             </a:r>
+            <a:endParaRPr lang="zh-CN" altLang="en-US" dirty="0"/>
           </a:p>
           <a:p>
             <a:endParaRPr lang="zh-CN" altLang="en-US" dirty="0"/>
@@ -7137,6 +7175,7 @@
               <a:rPr lang="zh-CN" altLang="en-US" dirty="0"/>
               <a:t>公司的管理机构，主要股东、董事、关键的雇员、薪金、股票期权、劳工协议、奖惩制度及各部门的构成等情况都要明晰的形式展示出来</a:t>
             </a:r>
+            <a:endParaRPr lang="zh-CN" altLang="en-US" dirty="0"/>
           </a:p>
           <a:p>
             <a:pPr lvl="0"/>
@@ -7144,6 +7183,7 @@
               <a:rPr lang="zh-CN" altLang="en-US" dirty="0"/>
               <a:t>要展示你公司管理团队的战斗力和独特性及与众不同的凝聚力和团结战斗精神</a:t>
             </a:r>
+            <a:endParaRPr lang="zh-CN" altLang="en-US" dirty="0"/>
           </a:p>
           <a:p>
             <a:r>
@@ -7210,6 +7250,7 @@
               <a:rPr lang="zh-CN" altLang="en-US" dirty="0"/>
               <a:t>公司聘请的法律顾问、投资顾问、投发顾问、会计师事务所等中介机构名称。</a:t>
             </a:r>
+            <a:endParaRPr lang="zh-CN" altLang="en-US" dirty="0"/>
           </a:p>
           <a:p>
             <a:endParaRPr lang="zh-CN" altLang="en-US" dirty="0"/>
@@ -7307,6 +7348,10 @@
                         </a:rPr>
                         <a:t>名</a:t>
                       </a:r>
+                      <a:endParaRPr lang="zh-CN" sz="1600" kern="100" dirty="0">
+                        <a:latin typeface="+mn-ea"/>
+                        <a:ea typeface="+mn-ea"/>
+                      </a:endParaRPr>
                     </a:p>
                   </a:txBody>
                   <a:tcPr marL="68580" marR="68580" marT="0" marB="0" anchor="ctr"/>
@@ -7330,43 +7375,15 @@
                   <a:tcPr marL="68580" marR="68580" marT="0" marB="0" anchor="ctr"/>
                 </a:tc>
                 <a:tc hMerge="1">
-                  <a:txBody>
-                    <a:bodyPr/>
-                    <a:lstStyle/>
-                    <a:p>
-                      <a:endParaRPr lang="zh-CN" altLang="en-US"/>
-                    </a:p>
-                  </a:txBody>
                   <a:tcPr/>
                 </a:tc>
                 <a:tc hMerge="1">
-                  <a:txBody>
-                    <a:bodyPr/>
-                    <a:lstStyle/>
-                    <a:p>
-                      <a:endParaRPr lang="zh-CN" altLang="en-US"/>
-                    </a:p>
-                  </a:txBody>
                   <a:tcPr/>
                 </a:tc>
                 <a:tc hMerge="1">
-                  <a:txBody>
-                    <a:bodyPr/>
-                    <a:lstStyle/>
-                    <a:p>
-                      <a:endParaRPr lang="zh-CN" altLang="en-US"/>
-                    </a:p>
-                  </a:txBody>
                   <a:tcPr/>
                 </a:tc>
                 <a:tc hMerge="1">
-                  <a:txBody>
-                    <a:bodyPr/>
-                    <a:lstStyle/>
-                    <a:p>
-                      <a:endParaRPr lang="zh-CN" altLang="en-US"/>
-                    </a:p>
-                  </a:txBody>
                   <a:tcPr/>
                 </a:tc>
               </a:tr>
@@ -7402,6 +7419,10 @@
                         </a:rPr>
                         <a:t>色</a:t>
                       </a:r>
+                      <a:endParaRPr lang="zh-CN" sz="1600" kern="100" dirty="0">
+                        <a:latin typeface="+mn-ea"/>
+                        <a:ea typeface="+mn-ea"/>
+                      </a:endParaRPr>
                     </a:p>
                   </a:txBody>
                   <a:tcPr marL="68580" marR="68580" marT="0" marB="0" anchor="ctr"/>
@@ -7425,43 +7446,15 @@
                   <a:tcPr marL="68580" marR="68580" marT="0" marB="0" anchor="ctr"/>
                 </a:tc>
                 <a:tc hMerge="1">
-                  <a:txBody>
-                    <a:bodyPr/>
-                    <a:lstStyle/>
-                    <a:p>
-                      <a:endParaRPr lang="zh-CN" altLang="en-US"/>
-                    </a:p>
-                  </a:txBody>
                   <a:tcPr/>
                 </a:tc>
                 <a:tc hMerge="1">
-                  <a:txBody>
-                    <a:bodyPr/>
-                    <a:lstStyle/>
-                    <a:p>
-                      <a:endParaRPr lang="zh-CN" altLang="en-US"/>
-                    </a:p>
-                  </a:txBody>
                   <a:tcPr/>
                 </a:tc>
                 <a:tc hMerge="1">
-                  <a:txBody>
-                    <a:bodyPr/>
-                    <a:lstStyle/>
-                    <a:p>
-                      <a:endParaRPr lang="zh-CN" altLang="en-US"/>
-                    </a:p>
-                  </a:txBody>
                   <a:tcPr/>
                 </a:tc>
                 <a:tc hMerge="1">
-                  <a:txBody>
-                    <a:bodyPr/>
-                    <a:lstStyle/>
-                    <a:p>
-                      <a:endParaRPr lang="zh-CN" altLang="en-US"/>
-                    </a:p>
-                  </a:txBody>
                   <a:tcPr/>
                 </a:tc>
               </a:tr>
@@ -7483,6 +7476,10 @@
                         </a:rPr>
                         <a:t>专业职称</a:t>
                       </a:r>
+                      <a:endParaRPr lang="zh-CN" sz="1600" kern="100" dirty="0">
+                        <a:latin typeface="+mn-ea"/>
+                        <a:ea typeface="+mn-ea"/>
+                      </a:endParaRPr>
                     </a:p>
                   </a:txBody>
                   <a:tcPr marL="68580" marR="68580" marT="0" marB="0" anchor="ctr"/>
@@ -7506,43 +7503,15 @@
                   <a:tcPr marL="68580" marR="68580" marT="0" marB="0" anchor="ctr"/>
                 </a:tc>
                 <a:tc hMerge="1">
-                  <a:txBody>
-                    <a:bodyPr/>
-                    <a:lstStyle/>
-                    <a:p>
-                      <a:endParaRPr lang="zh-CN" altLang="en-US"/>
-                    </a:p>
-                  </a:txBody>
                   <a:tcPr/>
                 </a:tc>
                 <a:tc hMerge="1">
-                  <a:txBody>
-                    <a:bodyPr/>
-                    <a:lstStyle/>
-                    <a:p>
-                      <a:endParaRPr lang="zh-CN" altLang="en-US"/>
-                    </a:p>
-                  </a:txBody>
                   <a:tcPr/>
                 </a:tc>
                 <a:tc hMerge="1">
-                  <a:txBody>
-                    <a:bodyPr/>
-                    <a:lstStyle/>
-                    <a:p>
-                      <a:endParaRPr lang="zh-CN" altLang="en-US"/>
-                    </a:p>
-                  </a:txBody>
                   <a:tcPr/>
                 </a:tc>
                 <a:tc hMerge="1">
-                  <a:txBody>
-                    <a:bodyPr/>
-                    <a:lstStyle/>
-                    <a:p>
-                      <a:endParaRPr lang="zh-CN" altLang="en-US"/>
-                    </a:p>
-                  </a:txBody>
                   <a:tcPr/>
                 </a:tc>
               </a:tr>
@@ -7578,6 +7547,10 @@
                         </a:rPr>
                         <a:t>务</a:t>
                       </a:r>
+                      <a:endParaRPr lang="zh-CN" sz="1600" kern="100">
+                        <a:latin typeface="+mn-ea"/>
+                        <a:ea typeface="+mn-ea"/>
+                      </a:endParaRPr>
                     </a:p>
                   </a:txBody>
                   <a:tcPr marL="68580" marR="68580" marT="0" marB="0" anchor="ctr"/>
@@ -7601,43 +7574,15 @@
                   <a:tcPr marL="68580" marR="68580" marT="0" marB="0" anchor="ctr"/>
                 </a:tc>
                 <a:tc hMerge="1">
-                  <a:txBody>
-                    <a:bodyPr/>
-                    <a:lstStyle/>
-                    <a:p>
-                      <a:endParaRPr lang="zh-CN" altLang="en-US"/>
-                    </a:p>
-                  </a:txBody>
                   <a:tcPr/>
                 </a:tc>
                 <a:tc hMerge="1">
-                  <a:txBody>
-                    <a:bodyPr/>
-                    <a:lstStyle/>
-                    <a:p>
-                      <a:endParaRPr lang="zh-CN" altLang="en-US"/>
-                    </a:p>
-                  </a:txBody>
                   <a:tcPr/>
                 </a:tc>
                 <a:tc hMerge="1">
-                  <a:txBody>
-                    <a:bodyPr/>
-                    <a:lstStyle/>
-                    <a:p>
-                      <a:endParaRPr lang="zh-CN" altLang="en-US"/>
-                    </a:p>
-                  </a:txBody>
                   <a:tcPr/>
                 </a:tc>
                 <a:tc hMerge="1">
-                  <a:txBody>
-                    <a:bodyPr/>
-                    <a:lstStyle/>
-                    <a:p>
-                      <a:endParaRPr lang="zh-CN" altLang="en-US"/>
-                    </a:p>
-                  </a:txBody>
                   <a:tcPr/>
                 </a:tc>
               </a:tr>
@@ -7673,6 +7618,10 @@
                         </a:rPr>
                         <a:t>长</a:t>
                       </a:r>
+                      <a:endParaRPr lang="zh-CN" sz="1600" kern="100">
+                        <a:latin typeface="+mn-ea"/>
+                        <a:ea typeface="+mn-ea"/>
+                      </a:endParaRPr>
                     </a:p>
                   </a:txBody>
                   <a:tcPr marL="68580" marR="68580" marT="0" marB="0" anchor="ctr"/>
@@ -7696,43 +7645,15 @@
                   <a:tcPr marL="68580" marR="68580" marT="0" marB="0" anchor="ctr"/>
                 </a:tc>
                 <a:tc hMerge="1">
-                  <a:txBody>
-                    <a:bodyPr/>
-                    <a:lstStyle/>
-                    <a:p>
-                      <a:endParaRPr lang="zh-CN" altLang="en-US"/>
-                    </a:p>
-                  </a:txBody>
                   <a:tcPr/>
                 </a:tc>
                 <a:tc hMerge="1">
-                  <a:txBody>
-                    <a:bodyPr/>
-                    <a:lstStyle/>
-                    <a:p>
-                      <a:endParaRPr lang="zh-CN" altLang="en-US"/>
-                    </a:p>
-                  </a:txBody>
                   <a:tcPr/>
                 </a:tc>
                 <a:tc hMerge="1">
-                  <a:txBody>
-                    <a:bodyPr/>
-                    <a:lstStyle/>
-                    <a:p>
-                      <a:endParaRPr lang="zh-CN" altLang="en-US"/>
-                    </a:p>
-                  </a:txBody>
                   <a:tcPr/>
                 </a:tc>
                 <a:tc hMerge="1">
-                  <a:txBody>
-                    <a:bodyPr/>
-                    <a:lstStyle/>
-                    <a:p>
-                      <a:endParaRPr lang="zh-CN" altLang="en-US"/>
-                    </a:p>
-                  </a:txBody>
                   <a:tcPr/>
                 </a:tc>
               </a:tr>
@@ -7754,58 +7675,27 @@
                         </a:rPr>
                         <a:t>主要经历</a:t>
                       </a:r>
+                      <a:endParaRPr lang="zh-CN" sz="1600" kern="100" dirty="0">
+                        <a:latin typeface="+mn-ea"/>
+                        <a:ea typeface="+mn-ea"/>
+                      </a:endParaRPr>
                     </a:p>
                   </a:txBody>
                   <a:tcPr marL="68580" marR="68580" marT="0" marB="0" anchor="ctr"/>
                 </a:tc>
                 <a:tc hMerge="1">
-                  <a:txBody>
-                    <a:bodyPr/>
-                    <a:lstStyle/>
-                    <a:p>
-                      <a:endParaRPr lang="zh-CN" altLang="en-US"/>
-                    </a:p>
-                  </a:txBody>
                   <a:tcPr/>
                 </a:tc>
                 <a:tc hMerge="1">
-                  <a:txBody>
-                    <a:bodyPr/>
-                    <a:lstStyle/>
-                    <a:p>
-                      <a:endParaRPr lang="zh-CN" altLang="en-US"/>
-                    </a:p>
-                  </a:txBody>
                   <a:tcPr/>
                 </a:tc>
                 <a:tc hMerge="1">
-                  <a:txBody>
-                    <a:bodyPr/>
-                    <a:lstStyle/>
-                    <a:p>
-                      <a:endParaRPr lang="zh-CN" altLang="en-US"/>
-                    </a:p>
-                  </a:txBody>
                   <a:tcPr/>
                 </a:tc>
                 <a:tc hMerge="1">
-                  <a:txBody>
-                    <a:bodyPr/>
-                    <a:lstStyle/>
-                    <a:p>
-                      <a:endParaRPr lang="zh-CN" altLang="en-US"/>
-                    </a:p>
-                  </a:txBody>
                   <a:tcPr/>
                 </a:tc>
                 <a:tc hMerge="1">
-                  <a:txBody>
-                    <a:bodyPr/>
-                    <a:lstStyle/>
-                    <a:p>
-                      <a:endParaRPr lang="zh-CN" altLang="en-US"/>
-                    </a:p>
-                  </a:txBody>
                   <a:tcPr/>
                 </a:tc>
               </a:tr>
@@ -7928,13 +7818,6 @@
                   <a:tcPr marL="68580" marR="68580" marT="0" marB="0" anchor="ctr"/>
                 </a:tc>
                 <a:tc hMerge="1">
-                  <a:txBody>
-                    <a:bodyPr/>
-                    <a:lstStyle/>
-                    <a:p>
-                      <a:endParaRPr lang="zh-CN" altLang="en-US"/>
-                    </a:p>
-                  </a:txBody>
                   <a:tcPr/>
                 </a:tc>
                 <a:tc gridSpan="2">
@@ -7977,13 +7860,6 @@
                   <a:tcPr marL="68580" marR="68580" marT="0" marB="0" anchor="ctr"/>
                 </a:tc>
                 <a:tc hMerge="1">
-                  <a:txBody>
-                    <a:bodyPr/>
-                    <a:lstStyle/>
-                    <a:p>
-                      <a:endParaRPr lang="zh-CN" altLang="en-US"/>
-                    </a:p>
-                  </a:txBody>
                   <a:tcPr/>
                 </a:tc>
               </a:tr>
@@ -8043,13 +7919,6 @@
                   <a:tcPr marL="68580" marR="68580" marT="0" marB="0" anchor="ctr"/>
                 </a:tc>
                 <a:tc hMerge="1">
-                  <a:txBody>
-                    <a:bodyPr/>
-                    <a:lstStyle/>
-                    <a:p>
-                      <a:endParaRPr lang="zh-CN" altLang="en-US"/>
-                    </a:p>
-                  </a:txBody>
                   <a:tcPr/>
                 </a:tc>
                 <a:tc gridSpan="2">
@@ -8071,13 +7940,6 @@
                   <a:tcPr marL="68580" marR="68580" marT="0" marB="0" anchor="ctr"/>
                 </a:tc>
                 <a:tc hMerge="1">
-                  <a:txBody>
-                    <a:bodyPr/>
-                    <a:lstStyle/>
-                    <a:p>
-                      <a:endParaRPr lang="zh-CN" altLang="en-US"/>
-                    </a:p>
-                  </a:txBody>
                   <a:tcPr/>
                 </a:tc>
               </a:tr>
@@ -8137,13 +7999,6 @@
                   <a:tcPr marL="68580" marR="68580" marT="0" marB="0" anchor="ctr"/>
                 </a:tc>
                 <a:tc hMerge="1">
-                  <a:txBody>
-                    <a:bodyPr/>
-                    <a:lstStyle/>
-                    <a:p>
-                      <a:endParaRPr lang="zh-CN" altLang="en-US"/>
-                    </a:p>
-                  </a:txBody>
                   <a:tcPr/>
                 </a:tc>
                 <a:tc gridSpan="2">
@@ -8165,13 +8020,6 @@
                   <a:tcPr marL="68580" marR="68580" marT="0" marB="0" anchor="ctr"/>
                 </a:tc>
                 <a:tc hMerge="1">
-                  <a:txBody>
-                    <a:bodyPr/>
-                    <a:lstStyle/>
-                    <a:p>
-                      <a:endParaRPr lang="zh-CN" altLang="en-US"/>
-                    </a:p>
-                  </a:txBody>
                   <a:tcPr/>
                 </a:tc>
               </a:tr>
@@ -8231,13 +8079,6 @@
                   <a:tcPr marL="68580" marR="68580" marT="0" marB="0" anchor="ctr"/>
                 </a:tc>
                 <a:tc hMerge="1">
-                  <a:txBody>
-                    <a:bodyPr/>
-                    <a:lstStyle/>
-                    <a:p>
-                      <a:endParaRPr lang="zh-CN" altLang="en-US"/>
-                    </a:p>
-                  </a:txBody>
                   <a:tcPr/>
                 </a:tc>
                 <a:tc gridSpan="2">
@@ -8259,13 +8100,6 @@
                   <a:tcPr marL="68580" marR="68580" marT="0" marB="0" anchor="ctr"/>
                 </a:tc>
                 <a:tc hMerge="1">
-                  <a:txBody>
-                    <a:bodyPr/>
-                    <a:lstStyle/>
-                    <a:p>
-                      <a:endParaRPr lang="zh-CN" altLang="en-US"/>
-                    </a:p>
-                  </a:txBody>
                   <a:tcPr/>
                 </a:tc>
               </a:tr>
@@ -8325,13 +8159,6 @@
                   <a:tcPr marL="68580" marR="68580" marT="0" marB="0" anchor="ctr"/>
                 </a:tc>
                 <a:tc hMerge="1">
-                  <a:txBody>
-                    <a:bodyPr/>
-                    <a:lstStyle/>
-                    <a:p>
-                      <a:endParaRPr lang="zh-CN" altLang="en-US"/>
-                    </a:p>
-                  </a:txBody>
                   <a:tcPr/>
                 </a:tc>
                 <a:tc gridSpan="2">
@@ -8353,13 +8180,6 @@
                   <a:tcPr marL="68580" marR="68580" marT="0" marB="0" anchor="ctr"/>
                 </a:tc>
                 <a:tc hMerge="1">
-                  <a:txBody>
-                    <a:bodyPr/>
-                    <a:lstStyle/>
-                    <a:p>
-                      <a:endParaRPr lang="zh-CN" altLang="en-US"/>
-                    </a:p>
-                  </a:txBody>
                   <a:tcPr/>
                 </a:tc>
               </a:tr>
@@ -8381,58 +8201,27 @@
                         </a:rPr>
                         <a:t>所受教育</a:t>
                       </a:r>
+                      <a:endParaRPr lang="zh-CN" sz="1600" kern="100" dirty="0">
+                        <a:latin typeface="+mn-ea"/>
+                        <a:ea typeface="+mn-ea"/>
+                      </a:endParaRPr>
                     </a:p>
                   </a:txBody>
                   <a:tcPr marL="68580" marR="68580" marT="0" marB="0" anchor="ctr"/>
                 </a:tc>
                 <a:tc hMerge="1">
-                  <a:txBody>
-                    <a:bodyPr/>
-                    <a:lstStyle/>
-                    <a:p>
-                      <a:endParaRPr lang="zh-CN" altLang="en-US"/>
-                    </a:p>
-                  </a:txBody>
                   <a:tcPr/>
                 </a:tc>
                 <a:tc hMerge="1">
-                  <a:txBody>
-                    <a:bodyPr/>
-                    <a:lstStyle/>
-                    <a:p>
-                      <a:endParaRPr lang="zh-CN" altLang="en-US"/>
-                    </a:p>
-                  </a:txBody>
                   <a:tcPr/>
                 </a:tc>
                 <a:tc hMerge="1">
-                  <a:txBody>
-                    <a:bodyPr/>
-                    <a:lstStyle/>
-                    <a:p>
-                      <a:endParaRPr lang="zh-CN" altLang="en-US"/>
-                    </a:p>
-                  </a:txBody>
                   <a:tcPr/>
                 </a:tc>
                 <a:tc hMerge="1">
-                  <a:txBody>
-                    <a:bodyPr/>
-                    <a:lstStyle/>
-                    <a:p>
-                      <a:endParaRPr lang="zh-CN" altLang="en-US"/>
-                    </a:p>
-                  </a:txBody>
                   <a:tcPr/>
                 </a:tc>
                 <a:tc hMerge="1">
-                  <a:txBody>
-                    <a:bodyPr/>
-                    <a:lstStyle/>
-                    <a:p>
-                      <a:endParaRPr lang="zh-CN" altLang="en-US"/>
-                    </a:p>
-                  </a:txBody>
                   <a:tcPr/>
                 </a:tc>
               </a:tr>
@@ -8516,13 +8305,6 @@
                   <a:tcPr marL="68580" marR="68580" marT="0" marB="0" anchor="ctr"/>
                 </a:tc>
                 <a:tc hMerge="1">
-                  <a:txBody>
-                    <a:bodyPr/>
-                    <a:lstStyle/>
-                    <a:p>
-                      <a:endParaRPr lang="zh-CN" altLang="en-US"/>
-                    </a:p>
-                  </a:txBody>
                   <a:tcPr/>
                 </a:tc>
                 <a:tc gridSpan="2">
@@ -8565,13 +8347,6 @@
                   <a:tcPr marL="68580" marR="68580" marT="0" marB="0" anchor="ctr"/>
                 </a:tc>
                 <a:tc hMerge="1">
-                  <a:txBody>
-                    <a:bodyPr/>
-                    <a:lstStyle/>
-                    <a:p>
-                      <a:endParaRPr lang="zh-CN" altLang="en-US"/>
-                    </a:p>
-                  </a:txBody>
                   <a:tcPr/>
                 </a:tc>
                 <a:tc>
@@ -8652,13 +8427,6 @@
                   <a:tcPr marL="68580" marR="68580" marT="0" marB="0" anchor="ctr"/>
                 </a:tc>
                 <a:tc hMerge="1">
-                  <a:txBody>
-                    <a:bodyPr/>
-                    <a:lstStyle/>
-                    <a:p>
-                      <a:endParaRPr lang="zh-CN" altLang="en-US"/>
-                    </a:p>
-                  </a:txBody>
                   <a:tcPr/>
                 </a:tc>
                 <a:tc gridSpan="2">
@@ -8680,13 +8448,6 @@
                   <a:tcPr marL="68580" marR="68580" marT="0" marB="0" anchor="ctr"/>
                 </a:tc>
                 <a:tc hMerge="1">
-                  <a:txBody>
-                    <a:bodyPr/>
-                    <a:lstStyle/>
-                    <a:p>
-                      <a:endParaRPr lang="zh-CN" altLang="en-US"/>
-                    </a:p>
-                  </a:txBody>
                   <a:tcPr/>
                 </a:tc>
                 <a:tc>
@@ -8746,13 +8507,6 @@
                   <a:tcPr marL="68580" marR="68580" marT="0" marB="0" anchor="ctr"/>
                 </a:tc>
                 <a:tc hMerge="1">
-                  <a:txBody>
-                    <a:bodyPr/>
-                    <a:lstStyle/>
-                    <a:p>
-                      <a:endParaRPr lang="zh-CN" altLang="en-US"/>
-                    </a:p>
-                  </a:txBody>
                   <a:tcPr/>
                 </a:tc>
                 <a:tc gridSpan="2">
@@ -8774,13 +8528,6 @@
                   <a:tcPr marL="68580" marR="68580" marT="0" marB="0" anchor="ctr"/>
                 </a:tc>
                 <a:tc hMerge="1">
-                  <a:txBody>
-                    <a:bodyPr/>
-                    <a:lstStyle/>
-                    <a:p>
-                      <a:endParaRPr lang="zh-CN" altLang="en-US"/>
-                    </a:p>
-                  </a:txBody>
                   <a:tcPr/>
                 </a:tc>
                 <a:tc>
@@ -8840,13 +8587,6 @@
                   <a:tcPr marL="68580" marR="68580" marT="0" marB="0" anchor="ctr"/>
                 </a:tc>
                 <a:tc hMerge="1">
-                  <a:txBody>
-                    <a:bodyPr/>
-                    <a:lstStyle/>
-                    <a:p>
-                      <a:endParaRPr lang="zh-CN" altLang="en-US"/>
-                    </a:p>
-                  </a:txBody>
                   <a:tcPr/>
                 </a:tc>
                 <a:tc gridSpan="2">
@@ -8868,13 +8608,6 @@
                   <a:tcPr marL="68580" marR="68580" marT="0" marB="0" anchor="ctr"/>
                 </a:tc>
                 <a:tc hMerge="1">
-                  <a:txBody>
-                    <a:bodyPr/>
-                    <a:lstStyle/>
-                    <a:p>
-                      <a:endParaRPr lang="zh-CN" altLang="en-US"/>
-                    </a:p>
-                  </a:txBody>
                   <a:tcPr/>
                 </a:tc>
                 <a:tc>
@@ -9010,6 +8743,7 @@
               <a:rPr lang="zh-CN" altLang="en-US" dirty="0"/>
               <a:t>三年的历史数据，今后三年的发展预测，主要提供过去三年</a:t>
             </a:r>
+            <a:endParaRPr lang="zh-CN" altLang="en-US" dirty="0"/>
           </a:p>
           <a:p>
             <a:pPr lvl="0"/>
@@ -9021,6 +8755,7 @@
               <a:rPr lang="zh-CN" altLang="en-US" dirty="0"/>
               <a:t>、以及年度的财务总结报告书</a:t>
             </a:r>
+            <a:endParaRPr lang="zh-CN" altLang="en-US" dirty="0"/>
           </a:p>
           <a:p>
             <a:pPr>
@@ -9034,6 +8769,7 @@
               <a:rPr lang="zh-CN" altLang="en-US" dirty="0"/>
               <a:t>、投资计划：</a:t>
             </a:r>
+            <a:endParaRPr lang="zh-CN" altLang="en-US" dirty="0"/>
           </a:p>
           <a:p>
             <a:pPr lvl="0"/>
@@ -9041,6 +8777,7 @@
               <a:rPr lang="zh-CN" altLang="en-US" dirty="0"/>
               <a:t>预计的风险投资数额</a:t>
             </a:r>
+            <a:endParaRPr lang="zh-CN" altLang="en-US" dirty="0"/>
           </a:p>
           <a:p>
             <a:pPr lvl="0"/>
@@ -9048,6 +8785,7 @@
               <a:rPr lang="zh-CN" altLang="en-US" dirty="0"/>
               <a:t>投资收益和再投资的安排</a:t>
             </a:r>
+            <a:endParaRPr lang="zh-CN" altLang="en-US" dirty="0"/>
           </a:p>
           <a:p>
             <a:pPr lvl="0"/>
@@ -9055,6 +8793,7 @@
               <a:rPr lang="zh-CN" altLang="en-US" dirty="0"/>
               <a:t>风险投资者投资后双方股权的比例安排</a:t>
             </a:r>
+            <a:endParaRPr lang="zh-CN" altLang="en-US" dirty="0"/>
           </a:p>
           <a:p>
             <a:pPr lvl="0"/>
@@ -9062,6 +8801,7 @@
               <a:rPr lang="zh-CN" altLang="en-US" dirty="0"/>
               <a:t>投资资金的收支安排及财务报告编制</a:t>
             </a:r>
+            <a:endParaRPr lang="zh-CN" altLang="en-US" dirty="0"/>
           </a:p>
           <a:p>
             <a:pPr lvl="0"/>
@@ -9069,6 +8809,7 @@
               <a:rPr lang="zh-CN" altLang="en-US" dirty="0"/>
               <a:t>投资者介入公司经营管理的程度</a:t>
             </a:r>
+            <a:endParaRPr lang="zh-CN" altLang="en-US" dirty="0"/>
           </a:p>
           <a:p>
             <a:r>
@@ -9079,18 +8820,21 @@
               <a:rPr lang="zh-CN" altLang="en-US" dirty="0"/>
               <a:t>、融资需求</a:t>
             </a:r>
+            <a:endParaRPr lang="zh-CN" altLang="en-US" dirty="0"/>
           </a:p>
           <a:p>
             <a:r>
               <a:rPr lang="zh-CN" altLang="en-US" dirty="0"/>
               <a:t>创业所需要的资金额，团队出资情况，资金需求计划，为实现公司发展计划所需要的资金额，资金需求的时间性，资金用途（详细说明资金用途，并列表说明）</a:t>
             </a:r>
+            <a:endParaRPr lang="zh-CN" altLang="en-US" dirty="0"/>
           </a:p>
           <a:p>
             <a:r>
               <a:rPr lang="zh-CN" altLang="en-US" dirty="0"/>
               <a:t>融资方案：公司所希望的投资人及所占股份的说明，资金其他来源，如银行贷段等。</a:t>
             </a:r>
+            <a:endParaRPr lang="zh-CN" altLang="en-US" dirty="0"/>
           </a:p>
           <a:p>
             <a:r>
@@ -9130,6 +8874,7 @@
               <a:rPr lang="zh-CN" altLang="en-US" dirty="0"/>
               <a:t>项目实施的计划进度及相应的资金配置、进度表。</a:t>
             </a:r>
+            <a:endParaRPr lang="zh-CN" altLang="en-US" dirty="0"/>
           </a:p>
           <a:p>
             <a:r>
@@ -9487,7 +9232,10 @@
       </a:bgFillStyleLst>
     </a:fmtScheme>
   </a:themeElements>
-  <a:objectDefaults/>
-  <a:extraClrSchemeLst/>
+  <a:extLst>
+    <a:ext uri="{05A4C25C-085E-4340-85A3-A5531E510DB2}">
+      <thm15:themeFamily xmlns:thm15="http://schemas.microsoft.com/office/thememl/2012/main" name="Office Theme" id="{62F939B6-93AF-4DB8-9C6B-D6C7DFDC589F}" vid="{4A3C46E8-61CC-4603-A589-7422A47A8E4A}"/>
+    </a:ext>
+  </a:extLst>
 </a:theme>
 </file>